--- a/Slides/Growth_Comparison.pptx
+++ b/Slides/Growth_Comparison.pptx
@@ -11,7 +11,7 @@
     <p:handoutMasterId r:id="rId10"/>
   </p:handoutMasterIdLst>
   <p:sldIdLst>
-    <p:sldId id="334" r:id="rId2"/>
+    <p:sldId id="350" r:id="rId2"/>
     <p:sldId id="340" r:id="rId3"/>
     <p:sldId id="345" r:id="rId4"/>
     <p:sldId id="348" r:id="rId5"/>
@@ -877,9 +877,14 @@
           <a:bodyPr/>
           <a:lstStyle/>
           <a:p>
-            <a:fld id="{2F6E3EE8-E7EE-4662-9D4D-EDFD50A59877}" type="slidenum">
+            <a:pPr>
+              <a:defRPr/>
+            </a:pPr>
+            <a:fld id="{600BF82D-1B81-4333-9A31-CBB42AB2AA36}" type="slidenum">
               <a:rPr lang="en-US" smtClean="0"/>
-              <a:pPr/>
+              <a:pPr>
+                <a:defRPr/>
+              </a:pPr>
               <a:t>1</a:t>
             </a:fld>
             <a:endParaRPr lang="en-US"/>
@@ -889,7 +894,7 @@
     </p:spTree>
     <p:extLst>
       <p:ext uri="{BB962C8B-B14F-4D97-AF65-F5344CB8AC3E}">
-        <p14:creationId xmlns:p14="http://schemas.microsoft.com/office/powerpoint/2010/main" val="677991352"/>
+        <p14:creationId xmlns:p14="http://schemas.microsoft.com/office/powerpoint/2010/main" val="4176828881"/>
       </p:ext>
     </p:extLst>
   </p:cSld>
@@ -4042,7 +4047,7 @@
 </file>
 
 <file path=ppt/slides/slide1.xml><?xml version="1.0" encoding="utf-8"?>
-<p:sld xmlns:a="http://schemas.openxmlformats.org/drawingml/2006/main" xmlns:r="http://schemas.openxmlformats.org/officeDocument/2006/relationships" xmlns:p="http://schemas.openxmlformats.org/presentationml/2006/main" showMasterSp="0">
+<p:sld xmlns:a="http://schemas.openxmlformats.org/drawingml/2006/main" xmlns:r="http://schemas.openxmlformats.org/officeDocument/2006/relationships" xmlns:p="http://schemas.openxmlformats.org/presentationml/2006/main">
   <p:cSld>
     <p:spTree>
       <p:nvGrpSpPr>
@@ -4060,9 +4065,9 @@
       </p:grpSpPr>
       <p:sp>
         <p:nvSpPr>
-          <p:cNvPr id="2052" name="Rectangle 4"/>
+          <p:cNvPr id="2" name="Title 1"/>
           <p:cNvSpPr>
-            <a:spLocks noGrp="1" noChangeArrowheads="1"/>
+            <a:spLocks noGrp="1"/>
           </p:cNvSpPr>
           <p:nvPr>
             <p:ph type="ctrTitle"/>
@@ -4070,19 +4075,43 @@
         </p:nvSpPr>
         <p:spPr>
           <a:xfrm>
-            <a:off x="685800" y="1447800"/>
-            <a:ext cx="8001000" cy="1470025"/>
+            <a:off x="0" y="838200"/>
+            <a:ext cx="9144000" cy="1470025"/>
           </a:xfrm>
         </p:spPr>
         <p:txBody>
-          <a:bodyPr/>
+          <a:bodyPr rtlCol="0">
+            <a:noAutofit/>
+          </a:bodyPr>
           <a:lstStyle/>
           <a:p>
-            <a:r>
-              <a:rPr lang="en-US" dirty="0" smtClean="0"/>
+            <a:pPr eaLnBrk="1" fontAlgn="auto" hangingPunct="1">
+              <a:spcAft>
+                <a:spcPts val="0"/>
+              </a:spcAft>
+              <a:defRPr/>
+            </a:pPr>
+            <a:r>
+              <a:rPr lang="en-US" sz="5200" b="1" dirty="0" smtClean="0">
+                <a:effectLst>
+                  <a:outerShdw blurRad="50800" dist="38100" dir="2700000" algn="tl" rotWithShape="0">
+                    <a:prstClr val="black">
+                      <a:alpha val="40000"/>
+                    </a:prstClr>
+                  </a:outerShdw>
+                </a:effectLst>
+              </a:rPr>
               <a:t>Comparing VBGF Models</a:t>
             </a:r>
-            <a:endParaRPr lang="en-US" dirty="0"/>
+            <a:endParaRPr lang="en-US" sz="5200" b="1" dirty="0">
+              <a:effectLst>
+                <a:outerShdw blurRad="50800" dist="38100" dir="2700000" algn="tl" rotWithShape="0">
+                  <a:prstClr val="black">
+                    <a:alpha val="40000"/>
+                  </a:prstClr>
+                </a:outerShdw>
+              </a:effectLst>
+            </a:endParaRPr>
           </a:p>
         </p:txBody>
       </p:sp>
@@ -4096,19 +4125,321 @@
             <p:ph type="subTitle" idx="1"/>
           </p:nvPr>
         </p:nvSpPr>
-        <p:spPr/>
-        <p:txBody>
-          <a:bodyPr/>
+        <p:spPr>
+          <a:xfrm>
+            <a:off x="381000" y="3352800"/>
+            <a:ext cx="8229600" cy="762000"/>
+          </a:xfrm>
+        </p:spPr>
+        <p:txBody>
+          <a:bodyPr rtlCol="0">
+            <a:normAutofit/>
+          </a:bodyPr>
           <a:lstStyle/>
           <a:p>
-            <a:endParaRPr lang="en-US"/>
+            <a:pPr eaLnBrk="1" fontAlgn="auto" hangingPunct="1">
+              <a:spcAft>
+                <a:spcPts val="0"/>
+              </a:spcAft>
+              <a:defRPr/>
+            </a:pPr>
+            <a:r>
+              <a:rPr lang="en-US" sz="3600" b="1" dirty="0">
+                <a:solidFill>
+                  <a:schemeClr val="accent6">
+                    <a:lumMod val="75000"/>
+                  </a:schemeClr>
+                </a:solidFill>
+              </a:rPr>
+              <a:t>Dr. Derek H. Ogle, Northland </a:t>
+            </a:r>
+            <a:r>
+              <a:rPr lang="en-US" sz="3600" b="1" dirty="0" smtClean="0">
+                <a:solidFill>
+                  <a:schemeClr val="accent6">
+                    <a:lumMod val="75000"/>
+                  </a:schemeClr>
+                </a:solidFill>
+              </a:rPr>
+              <a:t>College</a:t>
+            </a:r>
+            <a:endParaRPr lang="en-US" sz="3600" b="1" dirty="0">
+              <a:solidFill>
+                <a:schemeClr val="accent6">
+                  <a:lumMod val="75000"/>
+                </a:schemeClr>
+              </a:solidFill>
+            </a:endParaRPr>
+          </a:p>
+        </p:txBody>
+      </p:sp>
+      <p:sp>
+        <p:nvSpPr>
+          <p:cNvPr id="4" name="Subtitle 2"/>
+          <p:cNvSpPr txBox="1">
+            <a:spLocks/>
+          </p:cNvSpPr>
+          <p:nvPr/>
+        </p:nvSpPr>
+        <p:spPr bwMode="auto">
+          <a:xfrm>
+            <a:off x="76200" y="5105400"/>
+            <a:ext cx="8991600" cy="1219200"/>
+          </a:xfrm>
+          <a:prstGeom prst="rect">
+            <a:avLst/>
+          </a:prstGeom>
+          <a:noFill/>
+          <a:ln>
+            <a:noFill/>
+          </a:ln>
+          <a:extLst>
+            <a:ext uri="{909E8E84-426E-40DD-AFC4-6F175D3DCCD1}">
+              <a14:hiddenFill xmlns:a14="http://schemas.microsoft.com/office/drawing/2010/main">
+                <a:solidFill>
+                  <a:srgbClr val="FFFFFF"/>
+                </a:solidFill>
+              </a14:hiddenFill>
+            </a:ext>
+            <a:ext uri="{91240B29-F687-4F45-9708-019B960494DF}">
+              <a14:hiddenLine xmlns:a14="http://schemas.microsoft.com/office/drawing/2010/main" w="9525">
+                <a:solidFill>
+                  <a:srgbClr val="000000"/>
+                </a:solidFill>
+                <a:miter lim="800000"/>
+                <a:headEnd/>
+                <a:tailEnd/>
+              </a14:hiddenLine>
+            </a:ext>
+          </a:extLst>
+        </p:spPr>
+        <p:txBody>
+          <a:bodyPr>
+            <a:normAutofit/>
+          </a:bodyPr>
+          <a:lstStyle>
+            <a:lvl1pPr marL="0" indent="0" algn="ctr" rtl="0" fontAlgn="base">
+              <a:spcBef>
+                <a:spcPct val="20000"/>
+              </a:spcBef>
+              <a:spcAft>
+                <a:spcPct val="0"/>
+              </a:spcAft>
+              <a:buFont typeface="Arial" charset="0"/>
+              <a:buNone/>
+              <a:defRPr sz="3200" kern="1200">
+                <a:solidFill>
+                  <a:schemeClr val="tx1">
+                    <a:tint val="75000"/>
+                  </a:schemeClr>
+                </a:solidFill>
+                <a:latin typeface="+mn-lt"/>
+                <a:ea typeface="+mn-ea"/>
+                <a:cs typeface="+mn-cs"/>
+              </a:defRPr>
+            </a:lvl1pPr>
+            <a:lvl2pPr marL="457200" indent="0" algn="ctr" rtl="0" fontAlgn="base">
+              <a:spcBef>
+                <a:spcPct val="20000"/>
+              </a:spcBef>
+              <a:spcAft>
+                <a:spcPct val="0"/>
+              </a:spcAft>
+              <a:buFont typeface="Arial" charset="0"/>
+              <a:buNone/>
+              <a:defRPr sz="2800" kern="1200">
+                <a:solidFill>
+                  <a:schemeClr val="tx1">
+                    <a:tint val="75000"/>
+                  </a:schemeClr>
+                </a:solidFill>
+                <a:latin typeface="+mn-lt"/>
+                <a:ea typeface="+mn-ea"/>
+                <a:cs typeface="+mn-cs"/>
+              </a:defRPr>
+            </a:lvl2pPr>
+            <a:lvl3pPr marL="914400" indent="0" algn="ctr" rtl="0" fontAlgn="base">
+              <a:spcBef>
+                <a:spcPct val="20000"/>
+              </a:spcBef>
+              <a:spcAft>
+                <a:spcPct val="0"/>
+              </a:spcAft>
+              <a:buFont typeface="Arial" charset="0"/>
+              <a:buNone/>
+              <a:defRPr sz="2400" kern="1200">
+                <a:solidFill>
+                  <a:schemeClr val="tx1">
+                    <a:tint val="75000"/>
+                  </a:schemeClr>
+                </a:solidFill>
+                <a:latin typeface="+mn-lt"/>
+                <a:ea typeface="+mn-ea"/>
+                <a:cs typeface="+mn-cs"/>
+              </a:defRPr>
+            </a:lvl3pPr>
+            <a:lvl4pPr marL="1371600" indent="0" algn="ctr" rtl="0" fontAlgn="base">
+              <a:spcBef>
+                <a:spcPct val="20000"/>
+              </a:spcBef>
+              <a:spcAft>
+                <a:spcPct val="0"/>
+              </a:spcAft>
+              <a:buFont typeface="Arial" charset="0"/>
+              <a:buNone/>
+              <a:defRPr sz="2000" kern="1200">
+                <a:solidFill>
+                  <a:schemeClr val="tx1">
+                    <a:tint val="75000"/>
+                  </a:schemeClr>
+                </a:solidFill>
+                <a:latin typeface="+mn-lt"/>
+                <a:ea typeface="+mn-ea"/>
+                <a:cs typeface="+mn-cs"/>
+              </a:defRPr>
+            </a:lvl4pPr>
+            <a:lvl5pPr marL="1828800" indent="0" algn="ctr" rtl="0" fontAlgn="base">
+              <a:spcBef>
+                <a:spcPct val="20000"/>
+              </a:spcBef>
+              <a:spcAft>
+                <a:spcPct val="0"/>
+              </a:spcAft>
+              <a:buFont typeface="Arial" charset="0"/>
+              <a:buNone/>
+              <a:defRPr sz="2000" kern="1200">
+                <a:solidFill>
+                  <a:schemeClr val="tx1">
+                    <a:tint val="75000"/>
+                  </a:schemeClr>
+                </a:solidFill>
+                <a:latin typeface="+mn-lt"/>
+                <a:ea typeface="+mn-ea"/>
+                <a:cs typeface="+mn-cs"/>
+              </a:defRPr>
+            </a:lvl5pPr>
+            <a:lvl6pPr marL="2286000" indent="0" algn="ctr" defTabSz="914400" rtl="0" eaLnBrk="1" latinLnBrk="0" hangingPunct="1">
+              <a:spcBef>
+                <a:spcPct val="20000"/>
+              </a:spcBef>
+              <a:buFont typeface="Arial" pitchFamily="34" charset="0"/>
+              <a:buNone/>
+              <a:defRPr sz="2000" kern="1200">
+                <a:solidFill>
+                  <a:schemeClr val="tx1">
+                    <a:tint val="75000"/>
+                  </a:schemeClr>
+                </a:solidFill>
+                <a:latin typeface="+mn-lt"/>
+                <a:ea typeface="+mn-ea"/>
+                <a:cs typeface="+mn-cs"/>
+              </a:defRPr>
+            </a:lvl6pPr>
+            <a:lvl7pPr marL="2743200" indent="0" algn="ctr" defTabSz="914400" rtl="0" eaLnBrk="1" latinLnBrk="0" hangingPunct="1">
+              <a:spcBef>
+                <a:spcPct val="20000"/>
+              </a:spcBef>
+              <a:buFont typeface="Arial" pitchFamily="34" charset="0"/>
+              <a:buNone/>
+              <a:defRPr sz="2000" kern="1200">
+                <a:solidFill>
+                  <a:schemeClr val="tx1">
+                    <a:tint val="75000"/>
+                  </a:schemeClr>
+                </a:solidFill>
+                <a:latin typeface="+mn-lt"/>
+                <a:ea typeface="+mn-ea"/>
+                <a:cs typeface="+mn-cs"/>
+              </a:defRPr>
+            </a:lvl7pPr>
+            <a:lvl8pPr marL="3200400" indent="0" algn="ctr" defTabSz="914400" rtl="0" eaLnBrk="1" latinLnBrk="0" hangingPunct="1">
+              <a:spcBef>
+                <a:spcPct val="20000"/>
+              </a:spcBef>
+              <a:buFont typeface="Arial" pitchFamily="34" charset="0"/>
+              <a:buNone/>
+              <a:defRPr sz="2000" kern="1200">
+                <a:solidFill>
+                  <a:schemeClr val="tx1">
+                    <a:tint val="75000"/>
+                  </a:schemeClr>
+                </a:solidFill>
+                <a:latin typeface="+mn-lt"/>
+                <a:ea typeface="+mn-ea"/>
+                <a:cs typeface="+mn-cs"/>
+              </a:defRPr>
+            </a:lvl8pPr>
+            <a:lvl9pPr marL="3657600" indent="0" algn="ctr" defTabSz="914400" rtl="0" eaLnBrk="1" latinLnBrk="0" hangingPunct="1">
+              <a:spcBef>
+                <a:spcPct val="20000"/>
+              </a:spcBef>
+              <a:buFont typeface="Arial" pitchFamily="34" charset="0"/>
+              <a:buNone/>
+              <a:defRPr sz="2000" kern="1200">
+                <a:solidFill>
+                  <a:schemeClr val="tx1">
+                    <a:tint val="75000"/>
+                  </a:schemeClr>
+                </a:solidFill>
+                <a:latin typeface="+mn-lt"/>
+                <a:ea typeface="+mn-ea"/>
+                <a:cs typeface="+mn-cs"/>
+              </a:defRPr>
+            </a:lvl9pPr>
+          </a:lstStyle>
+          <a:p>
+            <a:pPr fontAlgn="auto">
+              <a:spcAft>
+                <a:spcPts val="0"/>
+              </a:spcAft>
+              <a:buFont typeface="Arial" pitchFamily="34" charset="0"/>
+              <a:buNone/>
+              <a:defRPr/>
+            </a:pPr>
+            <a:r>
+              <a:rPr lang="en-US" sz="3000" b="1" dirty="0" smtClean="0">
+                <a:solidFill>
+                  <a:schemeClr val="accent6">
+                    <a:lumMod val="75000"/>
+                  </a:schemeClr>
+                </a:solidFill>
+              </a:rPr>
+              <a:t>AFS, Kansas City</a:t>
+            </a:r>
+          </a:p>
+          <a:p>
+            <a:pPr fontAlgn="auto">
+              <a:spcAft>
+                <a:spcPts val="0"/>
+              </a:spcAft>
+              <a:buFont typeface="Arial" pitchFamily="34" charset="0"/>
+              <a:buNone/>
+              <a:defRPr/>
+            </a:pPr>
+            <a:r>
+              <a:rPr lang="en-US" sz="3000" b="1" dirty="0" smtClean="0">
+                <a:solidFill>
+                  <a:schemeClr val="accent6">
+                    <a:lumMod val="75000"/>
+                  </a:schemeClr>
+                </a:solidFill>
+              </a:rPr>
+              <a:t>20 August 2016</a:t>
+            </a:r>
+            <a:endParaRPr lang="en-US" sz="3000" b="1" dirty="0">
+              <a:solidFill>
+                <a:schemeClr val="accent6">
+                  <a:lumMod val="75000"/>
+                </a:schemeClr>
+              </a:solidFill>
+            </a:endParaRPr>
           </a:p>
         </p:txBody>
       </p:sp>
     </p:spTree>
     <p:extLst>
       <p:ext uri="{BB962C8B-B14F-4D97-AF65-F5344CB8AC3E}">
-        <p14:creationId xmlns:p14="http://schemas.microsoft.com/office/powerpoint/2010/main" val="89089878"/>
+        <p14:creationId xmlns:p14="http://schemas.microsoft.com/office/powerpoint/2010/main" val="2206053744"/>
       </p:ext>
     </p:extLst>
   </p:cSld>
@@ -4755,10 +5086,30 @@
               <a:t>Non-significant </a:t>
             </a:r>
             <a:r>
+              <a:rPr lang="en-US" dirty="0"/>
+              <a:t>(p&gt;</a:t>
+            </a:r>
+            <a:r>
+              <a:rPr lang="en-US" dirty="0">
+                <a:latin typeface="Symbol" panose="05050102010706020507" pitchFamily="18" charset="2"/>
+              </a:rPr>
+              <a:t>a</a:t>
+            </a:r>
+            <a:r>
+              <a:rPr lang="en-US" dirty="0"/>
+              <a:t>) </a:t>
+            </a:r>
+            <a:r>
               <a:rPr lang="en-US" dirty="0" smtClean="0">
                 <a:sym typeface="Wingdings" panose="05000000000000000000" pitchFamily="2" charset="2"/>
               </a:rPr>
-              <a:t> no parameters differ between groups; </a:t>
+              <a:t> </a:t>
+            </a:r>
+            <a:r>
+              <a:rPr lang="en-US" dirty="0" smtClean="0">
+                <a:sym typeface="Wingdings" panose="05000000000000000000" pitchFamily="2" charset="2"/>
+              </a:rPr>
+              <a:t>no parameters differ between groups; </a:t>
             </a:r>
             <a:r>
               <a:rPr lang="en-US" b="1" dirty="0" smtClean="0">
@@ -4784,10 +5135,34 @@
               <a:t>Significant </a:t>
             </a:r>
             <a:r>
+              <a:rPr lang="en-US" dirty="0"/>
+              <a:t>(</a:t>
+            </a:r>
+            <a:r>
+              <a:rPr lang="en-US" dirty="0" smtClean="0"/>
+              <a:t>p&lt;</a:t>
+            </a:r>
+            <a:r>
+              <a:rPr lang="en-US" dirty="0" smtClean="0">
+                <a:latin typeface="Symbol" panose="05050102010706020507" pitchFamily="18" charset="2"/>
+              </a:rPr>
+              <a:t>a</a:t>
+            </a:r>
+            <a:r>
+              <a:rPr lang="en-US" dirty="0"/>
+              <a:t>) </a:t>
+            </a:r>
+            <a:r>
               <a:rPr lang="en-US" dirty="0" smtClean="0">
                 <a:sym typeface="Wingdings" panose="05000000000000000000" pitchFamily="2" charset="2"/>
               </a:rPr>
-              <a:t> s</a:t>
+              <a:t> </a:t>
+            </a:r>
+            <a:r>
+              <a:rPr lang="en-US" dirty="0" smtClean="0">
+                <a:sym typeface="Wingdings" panose="05000000000000000000" pitchFamily="2" charset="2"/>
+              </a:rPr>
+              <a:t>s</a:t>
             </a:r>
             <a:r>
               <a:rPr lang="en-US" dirty="0" smtClean="0"/>
@@ -5263,17 +5638,8 @@
             <a:pPr marL="688975" lvl="1" indent="-231775"/>
             <a:r>
               <a:rPr lang="en-US" dirty="0" smtClean="0"/>
-              <a:t>“Is </a:t>
-            </a:r>
-            <a:r>
-              <a:rPr lang="en-US" dirty="0" smtClean="0"/>
-              <a:t>RSS significantly reduced</a:t>
-            </a:r>
-            <a:r>
-              <a:rPr lang="en-US" dirty="0" smtClean="0"/>
-              <a:t>?”</a:t>
-            </a:r>
-            <a:endParaRPr lang="en-US" dirty="0" smtClean="0"/>
+              <a:t>“Is RSS significantly reduced?”</a:t>
+            </a:r>
           </a:p>
           <a:p>
             <a:pPr marL="688975" lvl="1" indent="-231775"/>
@@ -5295,15 +5661,7 @@
             <a:pPr marL="688975" lvl="1" indent="-231775"/>
             <a:r>
               <a:rPr lang="en-US" dirty="0" smtClean="0"/>
-              <a:t>“Is </a:t>
-            </a:r>
-            <a:r>
-              <a:rPr lang="en-US" dirty="0" smtClean="0"/>
-              <a:t>likelihood significantly increased</a:t>
-            </a:r>
-            <a:r>
-              <a:rPr lang="en-US" dirty="0" smtClean="0"/>
-              <a:t>?”</a:t>
+              <a:t>“Is likelihood significantly increased?”</a:t>
             </a:r>
           </a:p>
           <a:p>
@@ -5312,7 +5670,6 @@
               <a:rPr lang="en-US" dirty="0" smtClean="0"/>
               <a:t>“Is negative log likelihood significantly decreased?”</a:t>
             </a:r>
-            <a:endParaRPr lang="en-US" dirty="0" smtClean="0"/>
           </a:p>
           <a:p>
             <a:pPr marL="688975" lvl="1" indent="-231775"/>
@@ -5994,29 +6351,6 @@
       </p:grpSpPr>
       <p:sp>
         <p:nvSpPr>
-          <p:cNvPr id="2" name="Title 1"/>
-          <p:cNvSpPr>
-            <a:spLocks noGrp="1"/>
-          </p:cNvSpPr>
-          <p:nvPr>
-            <p:ph type="title"/>
-          </p:nvPr>
-        </p:nvSpPr>
-        <p:spPr/>
-        <p:txBody>
-          <a:bodyPr/>
-          <a:lstStyle/>
-          <a:p>
-            <a:r>
-              <a:rPr lang="en-US" dirty="0" smtClean="0"/>
-              <a:t>Steps in Comparison</a:t>
-            </a:r>
-            <a:endParaRPr lang="en-US" dirty="0"/>
-          </a:p>
-        </p:txBody>
-      </p:sp>
-      <p:sp>
-        <p:nvSpPr>
           <p:cNvPr id="3" name="Content Placeholder 2"/>
           <p:cNvSpPr>
             <a:spLocks noGrp="1"/>
@@ -6114,20 +6448,70 @@
               <a:rPr lang="en-US" dirty="0">
                 <a:sym typeface="Wingdings" panose="05000000000000000000" pitchFamily="2" charset="2"/>
               </a:rPr>
-              <a:t>Non-significant  the common parameter does not differ between groups.</a:t>
-            </a:r>
-          </a:p>
-          <a:p>
-            <a:pPr lvl="1"/>
-            <a:r>
-              <a:rPr lang="en-US" dirty="0" smtClean="0"/>
-              <a:t>Significant </a:t>
+              <a:t>Non-significant </a:t>
+            </a:r>
+            <a:r>
+              <a:rPr lang="en-US" dirty="0"/>
+              <a:t>(p&gt;</a:t>
+            </a:r>
+            <a:r>
+              <a:rPr lang="en-US" dirty="0">
+                <a:latin typeface="Symbol" panose="05050102010706020507" pitchFamily="18" charset="2"/>
+              </a:rPr>
+              <a:t>a</a:t>
+            </a:r>
+            <a:r>
+              <a:rPr lang="en-US" dirty="0"/>
+              <a:t>) </a:t>
             </a:r>
             <a:r>
               <a:rPr lang="en-US" dirty="0" smtClean="0">
                 <a:sym typeface="Wingdings" panose="05000000000000000000" pitchFamily="2" charset="2"/>
               </a:rPr>
-              <a:t> the common parameter differs between groups.</a:t>
+              <a:t> </a:t>
+            </a:r>
+            <a:r>
+              <a:rPr lang="en-US" dirty="0">
+                <a:sym typeface="Wingdings" panose="05000000000000000000" pitchFamily="2" charset="2"/>
+              </a:rPr>
+              <a:t>the common parameter does not differ between groups.</a:t>
+            </a:r>
+          </a:p>
+          <a:p>
+            <a:pPr lvl="1"/>
+            <a:r>
+              <a:rPr lang="en-US" dirty="0" smtClean="0"/>
+              <a:t>Significant </a:t>
+            </a:r>
+            <a:r>
+              <a:rPr lang="en-US" dirty="0"/>
+              <a:t>(</a:t>
+            </a:r>
+            <a:r>
+              <a:rPr lang="en-US" dirty="0" smtClean="0"/>
+              <a:t>p&lt;</a:t>
+            </a:r>
+            <a:r>
+              <a:rPr lang="en-US" dirty="0" smtClean="0">
+                <a:latin typeface="Symbol" panose="05050102010706020507" pitchFamily="18" charset="2"/>
+              </a:rPr>
+              <a:t>a</a:t>
+            </a:r>
+            <a:r>
+              <a:rPr lang="en-US" dirty="0"/>
+              <a:t>) </a:t>
+            </a:r>
+            <a:r>
+              <a:rPr lang="en-US" dirty="0" smtClean="0">
+                <a:sym typeface="Wingdings" panose="05000000000000000000" pitchFamily="2" charset="2"/>
+              </a:rPr>
+              <a:t> </a:t>
+            </a:r>
+            <a:r>
+              <a:rPr lang="en-US" dirty="0" smtClean="0">
+                <a:sym typeface="Wingdings" panose="05000000000000000000" pitchFamily="2" charset="2"/>
+              </a:rPr>
+              <a:t>the common parameter differs between groups.</a:t>
             </a:r>
           </a:p>
           <a:p>
@@ -6162,6 +6546,7 @@
               <a:rPr lang="en-US" dirty="0" smtClean="0"/>
               <a:t>.</a:t>
             </a:r>
+            <a:endParaRPr lang="en-US" dirty="0" smtClean="0"/>
           </a:p>
           <a:p>
             <a:pPr lvl="1"/>
@@ -6201,6 +6586,29 @@
             <a:r>
               <a:rPr lang="en-US" dirty="0" smtClean="0"/>
               <a:t>Examine Handout</a:t>
+            </a:r>
+            <a:endParaRPr lang="en-US" dirty="0"/>
+          </a:p>
+        </p:txBody>
+      </p:sp>
+      <p:sp>
+        <p:nvSpPr>
+          <p:cNvPr id="2" name="Title 1"/>
+          <p:cNvSpPr>
+            <a:spLocks noGrp="1"/>
+          </p:cNvSpPr>
+          <p:nvPr>
+            <p:ph type="title"/>
+          </p:nvPr>
+        </p:nvSpPr>
+        <p:spPr/>
+        <p:txBody>
+          <a:bodyPr/>
+          <a:lstStyle/>
+          <a:p>
+            <a:r>
+              <a:rPr lang="en-US" dirty="0" smtClean="0"/>
+              <a:t>Steps in Comparison</a:t>
             </a:r>
             <a:endParaRPr lang="en-US" dirty="0"/>
           </a:p>
@@ -6961,29 +7369,6 @@
       </p:grpSpPr>
       <p:sp>
         <p:nvSpPr>
-          <p:cNvPr id="2" name="Title 1"/>
-          <p:cNvSpPr>
-            <a:spLocks noGrp="1"/>
-          </p:cNvSpPr>
-          <p:nvPr>
-            <p:ph type="title"/>
-          </p:nvPr>
-        </p:nvSpPr>
-        <p:spPr/>
-        <p:txBody>
-          <a:bodyPr/>
-          <a:lstStyle/>
-          <a:p>
-            <a:r>
-              <a:rPr lang="en-US" dirty="0" smtClean="0"/>
-              <a:t>Steps in Comparison</a:t>
-            </a:r>
-            <a:endParaRPr lang="en-US" dirty="0"/>
-          </a:p>
-        </p:txBody>
-      </p:sp>
-      <p:sp>
-        <p:nvSpPr>
           <p:cNvPr id="3" name="Content Placeholder 2"/>
           <p:cNvSpPr>
             <a:spLocks noGrp="1"/>
@@ -7037,20 +7422,70 @@
               <a:rPr lang="en-US" dirty="0">
                 <a:sym typeface="Wingdings" panose="05000000000000000000" pitchFamily="2" charset="2"/>
               </a:rPr>
-              <a:t>Non-significant  the common parameter does not differ between groups.</a:t>
-            </a:r>
-          </a:p>
-          <a:p>
-            <a:pPr lvl="1"/>
+              <a:t>Non-significant </a:t>
+            </a:r>
             <a:r>
               <a:rPr lang="en-US" dirty="0"/>
-              <a:t>Significant </a:t>
+              <a:t>(p&gt;</a:t>
+            </a:r>
+            <a:r>
+              <a:rPr lang="en-US" dirty="0">
+                <a:latin typeface="Symbol" panose="05050102010706020507" pitchFamily="18" charset="2"/>
+              </a:rPr>
+              <a:t>a</a:t>
+            </a:r>
+            <a:r>
+              <a:rPr lang="en-US" dirty="0"/>
+              <a:t>) </a:t>
+            </a:r>
+            <a:r>
+              <a:rPr lang="en-US" dirty="0" smtClean="0">
+                <a:sym typeface="Wingdings" panose="05000000000000000000" pitchFamily="2" charset="2"/>
+              </a:rPr>
+              <a:t> </a:t>
             </a:r>
             <a:r>
               <a:rPr lang="en-US" dirty="0">
                 <a:sym typeface="Wingdings" panose="05000000000000000000" pitchFamily="2" charset="2"/>
               </a:rPr>
-              <a:t> the common parameter differs between </a:t>
+              <a:t>the common parameter does not differ between groups.</a:t>
+            </a:r>
+          </a:p>
+          <a:p>
+            <a:pPr lvl="1"/>
+            <a:r>
+              <a:rPr lang="en-US" dirty="0"/>
+              <a:t>Significant </a:t>
+            </a:r>
+            <a:r>
+              <a:rPr lang="en-US" dirty="0"/>
+              <a:t>(</a:t>
+            </a:r>
+            <a:r>
+              <a:rPr lang="en-US" dirty="0" smtClean="0"/>
+              <a:t>p&lt;</a:t>
+            </a:r>
+            <a:r>
+              <a:rPr lang="en-US" dirty="0" smtClean="0">
+                <a:latin typeface="Symbol" panose="05050102010706020507" pitchFamily="18" charset="2"/>
+              </a:rPr>
+              <a:t>a</a:t>
+            </a:r>
+            <a:r>
+              <a:rPr lang="en-US" dirty="0"/>
+              <a:t>) </a:t>
+            </a:r>
+            <a:r>
+              <a:rPr lang="en-US" dirty="0" smtClean="0">
+                <a:sym typeface="Wingdings" panose="05000000000000000000" pitchFamily="2" charset="2"/>
+              </a:rPr>
+              <a:t> </a:t>
+            </a:r>
+            <a:r>
+              <a:rPr lang="en-US" dirty="0">
+                <a:sym typeface="Wingdings" panose="05000000000000000000" pitchFamily="2" charset="2"/>
+              </a:rPr>
+              <a:t>the common parameter differs between </a:t>
             </a:r>
             <a:r>
               <a:rPr lang="en-US" dirty="0" smtClean="0">
@@ -7070,6 +7505,29 @@
             <a:endParaRPr lang="en-US" dirty="0">
               <a:sym typeface="Wingdings" panose="05000000000000000000" pitchFamily="2" charset="2"/>
             </a:endParaRPr>
+          </a:p>
+        </p:txBody>
+      </p:sp>
+      <p:sp>
+        <p:nvSpPr>
+          <p:cNvPr id="2" name="Title 1"/>
+          <p:cNvSpPr>
+            <a:spLocks noGrp="1"/>
+          </p:cNvSpPr>
+          <p:nvPr>
+            <p:ph type="title"/>
+          </p:nvPr>
+        </p:nvSpPr>
+        <p:spPr/>
+        <p:txBody>
+          <a:bodyPr/>
+          <a:lstStyle/>
+          <a:p>
+            <a:r>
+              <a:rPr lang="en-US" dirty="0" smtClean="0"/>
+              <a:t>Steps in Comparison</a:t>
+            </a:r>
+            <a:endParaRPr lang="en-US" dirty="0"/>
           </a:p>
         </p:txBody>
       </p:sp>
@@ -7275,7 +7733,7 @@
         </p:nvSpPr>
         <p:spPr>
           <a:xfrm>
-            <a:off x="231830" y="3877270"/>
+            <a:off x="231830" y="3343870"/>
             <a:ext cx="453970" cy="923330"/>
           </a:xfrm>
           <a:prstGeom prst="rect">
@@ -7314,7 +7772,96 @@
         <p:spPr bwMode="auto">
           <a:xfrm>
             <a:off x="0" y="2806874"/>
-            <a:ext cx="9144000" cy="627345"/>
+            <a:ext cx="9144000" cy="622126"/>
+          </a:xfrm>
+          <a:prstGeom prst="rect">
+            <a:avLst/>
+          </a:prstGeom>
+          <a:ln w="9525" cap="flat" cmpd="sng" algn="ctr">
+            <a:noFill/>
+            <a:prstDash val="solid"/>
+            <a:round/>
+            <a:headEnd type="none" w="med" len="med"/>
+            <a:tailEnd type="none" w="med" len="med"/>
+          </a:ln>
+          <a:effectLst/>
+        </p:spPr>
+        <p:txBody>
+          <a:bodyPr vert="horz" wrap="square" lIns="91440" tIns="45720" rIns="91440" bIns="45720" numCol="1" rtlCol="0" anchor="t" anchorCtr="0" compatLnSpc="1">
+            <a:prstTxWarp prst="textNoShape">
+              <a:avLst/>
+            </a:prstTxWarp>
+          </a:bodyPr>
+          <a:lstStyle/>
+          <a:p>
+            <a:pPr marL="0" marR="0" indent="0" algn="l" defTabSz="914400" rtl="0" eaLnBrk="1" fontAlgn="base" latinLnBrk="0" hangingPunct="1">
+              <a:lnSpc>
+                <a:spcPct val="100000"/>
+              </a:lnSpc>
+              <a:spcBef>
+                <a:spcPct val="0"/>
+              </a:spcBef>
+              <a:spcAft>
+                <a:spcPct val="0"/>
+              </a:spcAft>
+              <a:buClrTx/>
+              <a:buSzTx/>
+              <a:buFontTx/>
+              <a:buNone/>
+              <a:tabLst/>
+            </a:pPr>
+            <a:endParaRPr kumimoji="0" lang="en-US" sz="2800" b="1" i="0" u="none" strike="noStrike" cap="none" normalizeH="0" baseline="0" smtClean="0">
+              <a:ln>
+                <a:noFill/>
+              </a:ln>
+              <a:solidFill>
+                <a:schemeClr val="tx1"/>
+              </a:solidFill>
+              <a:effectLst/>
+              <a:latin typeface="Arial" charset="0"/>
+            </a:endParaRPr>
+          </a:p>
+        </p:txBody>
+      </p:sp>
+      <p:cxnSp>
+        <p:nvCxnSpPr>
+          <p:cNvPr id="7" name="Straight Connector 6"/>
+          <p:cNvCxnSpPr/>
+          <p:nvPr/>
+        </p:nvCxnSpPr>
+        <p:spPr bwMode="auto">
+          <a:xfrm>
+            <a:off x="533400" y="6248400"/>
+            <a:ext cx="8077200" cy="0"/>
+          </a:xfrm>
+          <a:prstGeom prst="line">
+            <a:avLst/>
+          </a:prstGeom>
+          <a:solidFill>
+            <a:schemeClr val="accent1"/>
+          </a:solidFill>
+          <a:ln w="38100" cap="flat" cmpd="sng" algn="ctr">
+            <a:solidFill>
+              <a:srgbClr val="CC0000"/>
+            </a:solidFill>
+            <a:prstDash val="solid"/>
+            <a:round/>
+            <a:headEnd type="none" w="med" len="med"/>
+            <a:tailEnd type="none" w="med" len="med"/>
+          </a:ln>
+          <a:effectLst/>
+        </p:spPr>
+      </p:cxnSp>
+      <p:sp useBgFill="1">
+        <p:nvSpPr>
+          <p:cNvPr id="14" name="Rectangle 13"/>
+          <p:cNvSpPr/>
+          <p:nvPr/>
+        </p:nvSpPr>
+        <p:spPr bwMode="auto">
+          <a:xfrm>
+            <a:off x="0" y="3965996"/>
+            <a:ext cx="9144000" cy="910804"/>
           </a:xfrm>
           <a:prstGeom prst="rect">
             <a:avLst/>
@@ -7530,6 +8077,60 @@
                                   </p:childTnLst>
                                 </p:cTn>
                               </p:par>
+                              <p:par>
+                                <p:cTn id="15" presetID="1" presetClass="exit" presetSubtype="0" fill="hold" nodeType="withEffect">
+                                  <p:stCondLst>
+                                    <p:cond delay="0"/>
+                                  </p:stCondLst>
+                                  <p:childTnLst>
+                                    <p:set>
+                                      <p:cBhvr>
+                                        <p:cTn id="16" dur="1" fill="hold">
+                                          <p:stCondLst>
+                                            <p:cond delay="0"/>
+                                          </p:stCondLst>
+                                        </p:cTn>
+                                        <p:tgtEl>
+                                          <p:spTgt spid="7"/>
+                                        </p:tgtEl>
+                                        <p:attrNameLst>
+                                          <p:attrName>style.visibility</p:attrName>
+                                        </p:attrNameLst>
+                                      </p:cBhvr>
+                                      <p:to>
+                                        <p:strVal val="hidden"/>
+                                      </p:to>
+                                    </p:set>
+                                  </p:childTnLst>
+                                </p:cTn>
+                              </p:par>
+                              <p:par>
+                                <p:cTn id="17" presetID="1" presetClass="exit" presetSubtype="0" fill="hold" grpId="0" nodeType="withEffect">
+                                  <p:stCondLst>
+                                    <p:cond delay="0"/>
+                                  </p:stCondLst>
+                                  <p:childTnLst>
+                                    <p:set>
+                                      <p:cBhvr>
+                                        <p:cTn id="18" dur="1" fill="hold">
+                                          <p:stCondLst>
+                                            <p:cond delay="0"/>
+                                          </p:stCondLst>
+                                        </p:cTn>
+                                        <p:tgtEl>
+                                          <p:spTgt spid="14"/>
+                                        </p:tgtEl>
+                                        <p:attrNameLst>
+                                          <p:attrName>style.visibility</p:attrName>
+                                        </p:attrNameLst>
+                                      </p:cBhvr>
+                                      <p:to>
+                                        <p:strVal val="hidden"/>
+                                      </p:to>
+                                    </p:set>
+                                  </p:childTnLst>
+                                </p:cTn>
+                              </p:par>
                             </p:childTnLst>
                           </p:cTn>
                         </p:par>
@@ -7562,6 +8163,7 @@
       <p:bldP spid="11" grpId="0" animBg="1"/>
       <p:bldP spid="12" grpId="0"/>
       <p:bldP spid="13" grpId="0" animBg="1"/>
+      <p:bldP spid="14" grpId="0" animBg="1"/>
     </p:bldLst>
   </p:timing>
 </p:sld>
@@ -7629,48 +8231,11 @@
           <a:p>
             <a:r>
               <a:rPr lang="en-US" dirty="0" smtClean="0"/>
-              <a:t>Complete Exercise 12.5.</a:t>
-            </a:r>
-          </a:p>
-          <a:p>
-            <a:endParaRPr lang="en-US" dirty="0"/>
-          </a:p>
-          <a:p>
+              <a:t>Complete </a:t>
+            </a:r>
             <a:r>
               <a:rPr lang="en-US" dirty="0" smtClean="0"/>
-              <a:t>(</a:t>
-            </a:r>
-            <a:r>
-              <a:rPr lang="en-US" b="1" dirty="0" smtClean="0">
-                <a:solidFill>
-                  <a:srgbClr val="C00000"/>
-                </a:solidFill>
-              </a:rPr>
-              <a:t>Time</a:t>
-            </a:r>
-            <a:r>
-              <a:rPr lang="en-US" dirty="0" smtClean="0"/>
-              <a:t> </a:t>
-            </a:r>
-            <a:r>
-              <a:rPr lang="en-US" b="1" dirty="0" smtClean="0">
-                <a:solidFill>
-                  <a:srgbClr val="C00000"/>
-                </a:solidFill>
-              </a:rPr>
-              <a:t>Permitting</a:t>
-            </a:r>
-            <a:r>
-              <a:rPr lang="en-US" dirty="0" smtClean="0"/>
-              <a:t>) Complete Exercise 12.6 (</a:t>
-            </a:r>
-            <a:r>
-              <a:rPr lang="en-US" i="1" dirty="0" smtClean="0"/>
-              <a:t>may require some additional instruction</a:t>
-            </a:r>
-            <a:r>
-              <a:rPr lang="en-US" dirty="0" smtClean="0"/>
-              <a:t>).</a:t>
+              <a:t>Exercise</a:t>
             </a:r>
             <a:endParaRPr lang="en-US" dirty="0"/>
           </a:p>
